--- a/Introduction to Terraform.pptx
+++ b/Introduction to Terraform.pptx
@@ -9,7 +9,8 @@
     <p:sldId id="257" r:id="rId3"/>
     <p:sldId id="258" r:id="rId4"/>
     <p:sldId id="259" r:id="rId5"/>
-    <p:sldId id="260" r:id="rId6"/>
+    <p:sldId id="261" r:id="rId6"/>
+    <p:sldId id="260" r:id="rId7"/>
   </p:sldIdLst>
   <p:sldSz cx="12192000" cy="6858000"/>
   <p:notesSz cx="6858000" cy="9144000"/>
@@ -108,6 +109,11 @@
       </a:defRPr>
     </a:lvl9pPr>
   </p:defaultTextStyle>
+  <p:extLst>
+    <p:ext uri="{EFAFB233-063F-42B5-8137-9DF3F51BA10A}">
+      <p15:sldGuideLst xmlns:p15="http://schemas.microsoft.com/office/powerpoint/2012/main"/>
+    </p:ext>
+  </p:extLst>
 </p:presentation>
 </file>
 
@@ -341,7 +347,7 @@
             <a:fld id="{B61BEF0D-F0BB-DE4B-95CE-6DB70DBA9567}" type="datetimeFigureOut">
               <a:rPr lang="en-US" dirty="0"/>
               <a:pPr/>
-              <a:t>11/10/2021</a:t>
+              <a:t>11/11/2021</a:t>
             </a:fld>
             <a:endParaRPr lang="en-US" dirty="0"/>
           </a:p>
@@ -672,7 +678,7 @@
             <a:fld id="{B61BEF0D-F0BB-DE4B-95CE-6DB70DBA9567}" type="datetimeFigureOut">
               <a:rPr lang="en-US" dirty="0"/>
               <a:pPr/>
-              <a:t>11/10/2021</a:t>
+              <a:t>11/11/2021</a:t>
             </a:fld>
             <a:endParaRPr lang="en-US" dirty="0"/>
           </a:p>
@@ -947,7 +953,7 @@
             <a:fld id="{B61BEF0D-F0BB-DE4B-95CE-6DB70DBA9567}" type="datetimeFigureOut">
               <a:rPr lang="en-US" dirty="0"/>
               <a:pPr/>
-              <a:t>11/10/2021</a:t>
+              <a:t>11/11/2021</a:t>
             </a:fld>
             <a:endParaRPr lang="en-US" dirty="0"/>
           </a:p>
@@ -1512,7 +1518,7 @@
             <a:fld id="{B61BEF0D-F0BB-DE4B-95CE-6DB70DBA9567}" type="datetimeFigureOut">
               <a:rPr lang="en-US" dirty="0"/>
               <a:pPr/>
-              <a:t>11/10/2021</a:t>
+              <a:t>11/11/2021</a:t>
             </a:fld>
             <a:endParaRPr lang="en-US" dirty="0"/>
           </a:p>
@@ -1787,7 +1793,7 @@
             <a:fld id="{B61BEF0D-F0BB-DE4B-95CE-6DB70DBA9567}" type="datetimeFigureOut">
               <a:rPr lang="en-US" dirty="0"/>
               <a:pPr/>
-              <a:t>11/10/2021</a:t>
+              <a:t>11/11/2021</a:t>
             </a:fld>
             <a:endParaRPr lang="en-US" dirty="0"/>
           </a:p>
@@ -2346,7 +2352,7 @@
             <a:fld id="{B61BEF0D-F0BB-DE4B-95CE-6DB70DBA9567}" type="datetimeFigureOut">
               <a:rPr lang="en-US" dirty="0"/>
               <a:pPr/>
-              <a:t>11/10/2021</a:t>
+              <a:t>11/11/2021</a:t>
             </a:fld>
             <a:endParaRPr lang="en-US" dirty="0"/>
           </a:p>
@@ -2670,7 +2676,7 @@
             <a:fld id="{B61BEF0D-F0BB-DE4B-95CE-6DB70DBA9567}" type="datetimeFigureOut">
               <a:rPr lang="en-US" dirty="0"/>
               <a:pPr/>
-              <a:t>11/10/2021</a:t>
+              <a:t>11/11/2021</a:t>
             </a:fld>
             <a:endParaRPr lang="en-US" dirty="0"/>
           </a:p>
@@ -2872,7 +2878,7 @@
             <a:fld id="{B61BEF0D-F0BB-DE4B-95CE-6DB70DBA9567}" type="datetimeFigureOut">
               <a:rPr lang="en-US" dirty="0"/>
               <a:pPr/>
-              <a:t>11/10/2021</a:t>
+              <a:t>11/11/2021</a:t>
             </a:fld>
             <a:endParaRPr lang="en-US" dirty="0"/>
           </a:p>
@@ -3079,7 +3085,7 @@
             <a:fld id="{B61BEF0D-F0BB-DE4B-95CE-6DB70DBA9567}" type="datetimeFigureOut">
               <a:rPr lang="en-US" dirty="0"/>
               <a:pPr/>
-              <a:t>11/10/2021</a:t>
+              <a:t>11/11/2021</a:t>
             </a:fld>
             <a:endParaRPr lang="en-US" dirty="0"/>
           </a:p>
@@ -3276,7 +3282,7 @@
             <a:fld id="{B61BEF0D-F0BB-DE4B-95CE-6DB70DBA9567}" type="datetimeFigureOut">
               <a:rPr lang="en-US" dirty="0"/>
               <a:pPr/>
-              <a:t>11/10/2021</a:t>
+              <a:t>11/11/2021</a:t>
             </a:fld>
             <a:endParaRPr lang="en-US" dirty="0"/>
           </a:p>
@@ -3549,7 +3555,7 @@
             <a:fld id="{B61BEF0D-F0BB-DE4B-95CE-6DB70DBA9567}" type="datetimeFigureOut">
               <a:rPr lang="en-US" dirty="0"/>
               <a:pPr/>
-              <a:t>11/10/2021</a:t>
+              <a:t>11/11/2021</a:t>
             </a:fld>
             <a:endParaRPr lang="en-US" dirty="0"/>
           </a:p>
@@ -3812,7 +3818,7 @@
             <a:fld id="{B61BEF0D-F0BB-DE4B-95CE-6DB70DBA9567}" type="datetimeFigureOut">
               <a:rPr lang="en-US" dirty="0"/>
               <a:pPr/>
-              <a:t>11/10/2021</a:t>
+              <a:t>11/11/2021</a:t>
             </a:fld>
             <a:endParaRPr lang="en-US" dirty="0"/>
           </a:p>
@@ -4183,7 +4189,7 @@
             <a:fld id="{B61BEF0D-F0BB-DE4B-95CE-6DB70DBA9567}" type="datetimeFigureOut">
               <a:rPr lang="en-US" dirty="0"/>
               <a:pPr/>
-              <a:t>11/10/2021</a:t>
+              <a:t>11/11/2021</a:t>
             </a:fld>
             <a:endParaRPr lang="en-US" dirty="0"/>
           </a:p>
@@ -4328,7 +4334,7 @@
             <a:fld id="{B61BEF0D-F0BB-DE4B-95CE-6DB70DBA9567}" type="datetimeFigureOut">
               <a:rPr lang="en-US" dirty="0"/>
               <a:pPr/>
-              <a:t>11/10/2021</a:t>
+              <a:t>11/11/2021</a:t>
             </a:fld>
             <a:endParaRPr lang="en-US" dirty="0"/>
           </a:p>
@@ -4450,7 +4456,7 @@
             <a:fld id="{B61BEF0D-F0BB-DE4B-95CE-6DB70DBA9567}" type="datetimeFigureOut">
               <a:rPr lang="en-US" dirty="0"/>
               <a:pPr/>
-              <a:t>11/10/2021</a:t>
+              <a:t>11/11/2021</a:t>
             </a:fld>
             <a:endParaRPr lang="en-US" dirty="0"/>
           </a:p>
@@ -4732,7 +4738,7 @@
             <a:fld id="{B61BEF0D-F0BB-DE4B-95CE-6DB70DBA9567}" type="datetimeFigureOut">
               <a:rPr lang="en-US" dirty="0"/>
               <a:pPr/>
-              <a:t>11/10/2021</a:t>
+              <a:t>11/11/2021</a:t>
             </a:fld>
             <a:endParaRPr lang="en-US" dirty="0"/>
           </a:p>
@@ -5053,7 +5059,7 @@
             <a:fld id="{B61BEF0D-F0BB-DE4B-95CE-6DB70DBA9567}" type="datetimeFigureOut">
               <a:rPr lang="en-US" dirty="0"/>
               <a:pPr/>
-              <a:t>11/10/2021</a:t>
+              <a:t>11/11/2021</a:t>
             </a:fld>
             <a:endParaRPr lang="en-US" dirty="0"/>
           </a:p>
@@ -5264,7 +5270,7 @@
             <a:fld id="{B61BEF0D-F0BB-DE4B-95CE-6DB70DBA9567}" type="datetimeFigureOut">
               <a:rPr lang="en-US" dirty="0"/>
               <a:pPr/>
-              <a:t>11/10/2021</a:t>
+              <a:t>11/11/2021</a:t>
             </a:fld>
             <a:endParaRPr lang="en-US" dirty="0"/>
           </a:p>
@@ -10985,7 +10991,25 @@
                 <a:effectLst/>
                 <a:latin typeface="Calibri" panose="020F0502020204030204" pitchFamily="34" charset="0"/>
               </a:rPr>
-              <a:t>Possible because of virtualization and cloud advancements</a:t>
+              <a:t>Possible because of virtualization and cloud advancements. </a:t>
+            </a:r>
+          </a:p>
+          <a:p>
+            <a:pPr marL="57150" marR="0" indent="0">
+              <a:spcBef>
+                <a:spcPts val="0"/>
+              </a:spcBef>
+              <a:spcAft>
+                <a:spcPts val="0"/>
+              </a:spcAft>
+              <a:buNone/>
+            </a:pPr>
+            <a:r>
+              <a:rPr lang="en-US" sz="2900" dirty="0">
+                <a:effectLst/>
+                <a:latin typeface="Calibri" panose="020F0502020204030204" pitchFamily="34" charset="0"/>
+              </a:rPr>
+              <a:t>Enabled cloud-native workflows like creating new infrastructure for each deployment.</a:t>
             </a:r>
           </a:p>
           <a:p>
@@ -11145,6 +11169,89 @@
           <p:cNvPr id="2" name="Title 1">
             <a:extLst>
               <a:ext uri="{FF2B5EF4-FFF2-40B4-BE49-F238E27FC236}">
+                <a16:creationId xmlns:a16="http://schemas.microsoft.com/office/drawing/2014/main" id="{68994F38-65E3-4699-8F7E-F62DC60B9F4D}"/>
+              </a:ext>
+            </a:extLst>
+          </p:cNvPr>
+          <p:cNvSpPr>
+            <a:spLocks noGrp="1"/>
+          </p:cNvSpPr>
+          <p:nvPr>
+            <p:ph type="title"/>
+          </p:nvPr>
+        </p:nvSpPr>
+        <p:spPr/>
+        <p:txBody>
+          <a:bodyPr/>
+          <a:lstStyle/>
+          <a:p>
+            <a:r>
+              <a:rPr lang="en-US" dirty="0"/>
+              <a:t>Demo</a:t>
+            </a:r>
+          </a:p>
+        </p:txBody>
+      </p:sp>
+      <p:sp>
+        <p:nvSpPr>
+          <p:cNvPr id="3" name="Text Placeholder 2">
+            <a:extLst>
+              <a:ext uri="{FF2B5EF4-FFF2-40B4-BE49-F238E27FC236}">
+                <a16:creationId xmlns:a16="http://schemas.microsoft.com/office/drawing/2014/main" id="{0F0BE0D1-4C9A-4861-8155-28468B51BA0F}"/>
+              </a:ext>
+            </a:extLst>
+          </p:cNvPr>
+          <p:cNvSpPr>
+            <a:spLocks noGrp="1"/>
+          </p:cNvSpPr>
+          <p:nvPr>
+            <p:ph type="body" idx="1"/>
+          </p:nvPr>
+        </p:nvSpPr>
+        <p:spPr/>
+        <p:txBody>
+          <a:bodyPr/>
+          <a:lstStyle/>
+          <a:p>
+            <a:endParaRPr lang="en-US"/>
+          </a:p>
+        </p:txBody>
+      </p:sp>
+    </p:spTree>
+    <p:extLst>
+      <p:ext uri="{BB962C8B-B14F-4D97-AF65-F5344CB8AC3E}">
+        <p14:creationId xmlns:p14="http://schemas.microsoft.com/office/powerpoint/2010/main" val="338989730"/>
+      </p:ext>
+    </p:extLst>
+  </p:cSld>
+  <p:clrMapOvr>
+    <a:masterClrMapping/>
+  </p:clrMapOvr>
+</p:sld>
+</file>
+
+<file path=ppt/slides/slide6.xml><?xml version="1.0" encoding="utf-8"?>
+<p:sld xmlns:a="http://schemas.openxmlformats.org/drawingml/2006/main" xmlns:r="http://schemas.openxmlformats.org/officeDocument/2006/relationships" xmlns:p="http://schemas.openxmlformats.org/presentationml/2006/main">
+  <p:cSld>
+    <p:spTree>
+      <p:nvGrpSpPr>
+        <p:cNvPr id="1" name=""/>
+        <p:cNvGrpSpPr/>
+        <p:nvPr/>
+      </p:nvGrpSpPr>
+      <p:grpSpPr>
+        <a:xfrm>
+          <a:off x="0" y="0"/>
+          <a:ext cx="0" cy="0"/>
+          <a:chOff x="0" y="0"/>
+          <a:chExt cx="0" cy="0"/>
+        </a:xfrm>
+      </p:grpSpPr>
+      <p:sp>
+        <p:nvSpPr>
+          <p:cNvPr id="2" name="Title 1">
+            <a:extLst>
+              <a:ext uri="{FF2B5EF4-FFF2-40B4-BE49-F238E27FC236}">
                 <a16:creationId xmlns:a16="http://schemas.microsoft.com/office/drawing/2014/main" id="{487F3D44-C2E6-4EEF-A205-F9B6E94EE2DF}"/>
               </a:ext>
             </a:extLst>
@@ -11161,7 +11268,10 @@
           <a:bodyPr/>
           <a:lstStyle/>
           <a:p>
-            <a:endParaRPr lang="en-US"/>
+            <a:r>
+              <a:rPr lang="en-US" dirty="0"/>
+              <a:t>Resources to Learn More	</a:t>
+            </a:r>
           </a:p>
         </p:txBody>
       </p:sp>
@@ -11186,7 +11296,35 @@
           <a:bodyPr/>
           <a:lstStyle/>
           <a:p>
-            <a:endParaRPr lang="en-US"/>
+            <a:r>
+              <a:rPr lang="en-US" dirty="0"/>
+              <a:t>Pluralsight</a:t>
+            </a:r>
+          </a:p>
+          <a:p>
+            <a:r>
+              <a:rPr lang="en-US" dirty="0"/>
+              <a:t>Terraform website - </a:t>
+            </a:r>
+            <a:r>
+              <a:rPr lang="en-US" dirty="0">
+                <a:hlinkClick r:id="rId2"/>
+              </a:rPr>
+              <a:t>https://terraform.io</a:t>
+            </a:r>
+            <a:endParaRPr lang="en-US" dirty="0"/>
+          </a:p>
+          <a:p>
+            <a:r>
+              <a:rPr lang="en-US" dirty="0">
+                <a:hlinkClick r:id="rId3"/>
+              </a:rPr>
+              <a:t>https://learn.hashicorp.com</a:t>
+            </a:r>
+            <a:endParaRPr lang="en-US" dirty="0"/>
+          </a:p>
+          <a:p>
+            <a:endParaRPr lang="en-US" dirty="0"/>
           </a:p>
         </p:txBody>
       </p:sp>

--- a/Introduction to Terraform.pptx
+++ b/Introduction to Terraform.pptx
@@ -347,7 +347,7 @@
             <a:fld id="{B61BEF0D-F0BB-DE4B-95CE-6DB70DBA9567}" type="datetimeFigureOut">
               <a:rPr lang="en-US" dirty="0"/>
               <a:pPr/>
-              <a:t>11/11/2021</a:t>
+              <a:t>11/12/2021</a:t>
             </a:fld>
             <a:endParaRPr lang="en-US" dirty="0"/>
           </a:p>
@@ -678,7 +678,7 @@
             <a:fld id="{B61BEF0D-F0BB-DE4B-95CE-6DB70DBA9567}" type="datetimeFigureOut">
               <a:rPr lang="en-US" dirty="0"/>
               <a:pPr/>
-              <a:t>11/11/2021</a:t>
+              <a:t>11/12/2021</a:t>
             </a:fld>
             <a:endParaRPr lang="en-US" dirty="0"/>
           </a:p>
@@ -953,7 +953,7 @@
             <a:fld id="{B61BEF0D-F0BB-DE4B-95CE-6DB70DBA9567}" type="datetimeFigureOut">
               <a:rPr lang="en-US" dirty="0"/>
               <a:pPr/>
-              <a:t>11/11/2021</a:t>
+              <a:t>11/12/2021</a:t>
             </a:fld>
             <a:endParaRPr lang="en-US" dirty="0"/>
           </a:p>
@@ -1518,7 +1518,7 @@
             <a:fld id="{B61BEF0D-F0BB-DE4B-95CE-6DB70DBA9567}" type="datetimeFigureOut">
               <a:rPr lang="en-US" dirty="0"/>
               <a:pPr/>
-              <a:t>11/11/2021</a:t>
+              <a:t>11/12/2021</a:t>
             </a:fld>
             <a:endParaRPr lang="en-US" dirty="0"/>
           </a:p>
@@ -1793,7 +1793,7 @@
             <a:fld id="{B61BEF0D-F0BB-DE4B-95CE-6DB70DBA9567}" type="datetimeFigureOut">
               <a:rPr lang="en-US" dirty="0"/>
               <a:pPr/>
-              <a:t>11/11/2021</a:t>
+              <a:t>11/12/2021</a:t>
             </a:fld>
             <a:endParaRPr lang="en-US" dirty="0"/>
           </a:p>
@@ -2352,7 +2352,7 @@
             <a:fld id="{B61BEF0D-F0BB-DE4B-95CE-6DB70DBA9567}" type="datetimeFigureOut">
               <a:rPr lang="en-US" dirty="0"/>
               <a:pPr/>
-              <a:t>11/11/2021</a:t>
+              <a:t>11/12/2021</a:t>
             </a:fld>
             <a:endParaRPr lang="en-US" dirty="0"/>
           </a:p>
@@ -2676,7 +2676,7 @@
             <a:fld id="{B61BEF0D-F0BB-DE4B-95CE-6DB70DBA9567}" type="datetimeFigureOut">
               <a:rPr lang="en-US" dirty="0"/>
               <a:pPr/>
-              <a:t>11/11/2021</a:t>
+              <a:t>11/12/2021</a:t>
             </a:fld>
             <a:endParaRPr lang="en-US" dirty="0"/>
           </a:p>
@@ -2878,7 +2878,7 @@
             <a:fld id="{B61BEF0D-F0BB-DE4B-95CE-6DB70DBA9567}" type="datetimeFigureOut">
               <a:rPr lang="en-US" dirty="0"/>
               <a:pPr/>
-              <a:t>11/11/2021</a:t>
+              <a:t>11/12/2021</a:t>
             </a:fld>
             <a:endParaRPr lang="en-US" dirty="0"/>
           </a:p>
@@ -3085,7 +3085,7 @@
             <a:fld id="{B61BEF0D-F0BB-DE4B-95CE-6DB70DBA9567}" type="datetimeFigureOut">
               <a:rPr lang="en-US" dirty="0"/>
               <a:pPr/>
-              <a:t>11/11/2021</a:t>
+              <a:t>11/12/2021</a:t>
             </a:fld>
             <a:endParaRPr lang="en-US" dirty="0"/>
           </a:p>
@@ -3282,7 +3282,7 @@
             <a:fld id="{B61BEF0D-F0BB-DE4B-95CE-6DB70DBA9567}" type="datetimeFigureOut">
               <a:rPr lang="en-US" dirty="0"/>
               <a:pPr/>
-              <a:t>11/11/2021</a:t>
+              <a:t>11/12/2021</a:t>
             </a:fld>
             <a:endParaRPr lang="en-US" dirty="0"/>
           </a:p>
@@ -3555,7 +3555,7 @@
             <a:fld id="{B61BEF0D-F0BB-DE4B-95CE-6DB70DBA9567}" type="datetimeFigureOut">
               <a:rPr lang="en-US" dirty="0"/>
               <a:pPr/>
-              <a:t>11/11/2021</a:t>
+              <a:t>11/12/2021</a:t>
             </a:fld>
             <a:endParaRPr lang="en-US" dirty="0"/>
           </a:p>
@@ -3818,7 +3818,7 @@
             <a:fld id="{B61BEF0D-F0BB-DE4B-95CE-6DB70DBA9567}" type="datetimeFigureOut">
               <a:rPr lang="en-US" dirty="0"/>
               <a:pPr/>
-              <a:t>11/11/2021</a:t>
+              <a:t>11/12/2021</a:t>
             </a:fld>
             <a:endParaRPr lang="en-US" dirty="0"/>
           </a:p>
@@ -4189,7 +4189,7 @@
             <a:fld id="{B61BEF0D-F0BB-DE4B-95CE-6DB70DBA9567}" type="datetimeFigureOut">
               <a:rPr lang="en-US" dirty="0"/>
               <a:pPr/>
-              <a:t>11/11/2021</a:t>
+              <a:t>11/12/2021</a:t>
             </a:fld>
             <a:endParaRPr lang="en-US" dirty="0"/>
           </a:p>
@@ -4334,7 +4334,7 @@
             <a:fld id="{B61BEF0D-F0BB-DE4B-95CE-6DB70DBA9567}" type="datetimeFigureOut">
               <a:rPr lang="en-US" dirty="0"/>
               <a:pPr/>
-              <a:t>11/11/2021</a:t>
+              <a:t>11/12/2021</a:t>
             </a:fld>
             <a:endParaRPr lang="en-US" dirty="0"/>
           </a:p>
@@ -4456,7 +4456,7 @@
             <a:fld id="{B61BEF0D-F0BB-DE4B-95CE-6DB70DBA9567}" type="datetimeFigureOut">
               <a:rPr lang="en-US" dirty="0"/>
               <a:pPr/>
-              <a:t>11/11/2021</a:t>
+              <a:t>11/12/2021</a:t>
             </a:fld>
             <a:endParaRPr lang="en-US" dirty="0"/>
           </a:p>
@@ -4738,7 +4738,7 @@
             <a:fld id="{B61BEF0D-F0BB-DE4B-95CE-6DB70DBA9567}" type="datetimeFigureOut">
               <a:rPr lang="en-US" dirty="0"/>
               <a:pPr/>
-              <a:t>11/11/2021</a:t>
+              <a:t>11/12/2021</a:t>
             </a:fld>
             <a:endParaRPr lang="en-US" dirty="0"/>
           </a:p>
@@ -5059,7 +5059,7 @@
             <a:fld id="{B61BEF0D-F0BB-DE4B-95CE-6DB70DBA9567}" type="datetimeFigureOut">
               <a:rPr lang="en-US" dirty="0"/>
               <a:pPr/>
-              <a:t>11/11/2021</a:t>
+              <a:t>11/12/2021</a:t>
             </a:fld>
             <a:endParaRPr lang="en-US" dirty="0"/>
           </a:p>
@@ -5270,7 +5270,7 @@
             <a:fld id="{B61BEF0D-F0BB-DE4B-95CE-6DB70DBA9567}" type="datetimeFigureOut">
               <a:rPr lang="en-US" dirty="0"/>
               <a:pPr/>
-              <a:t>11/11/2021</a:t>
+              <a:t>11/12/2021</a:t>
             </a:fld>
             <a:endParaRPr lang="en-US" dirty="0"/>
           </a:p>
@@ -6250,6 +6250,12 @@
               <a:t>Jake Adams</a:t>
             </a:r>
           </a:p>
+          <a:p>
+            <a:r>
+              <a:rPr lang="en-US" dirty="0"/>
+              <a:t>https://bit.ly/jaketerraform</a:t>
+            </a:r>
+          </a:p>
         </p:txBody>
       </p:sp>
       <p:sp>
@@ -10498,6 +10504,70 @@
                       </p:childTnLst>
                     </p:cTn>
                   </p:par>
+                  <p:par>
+                    <p:cTn id="11" fill="hold">
+                      <p:stCondLst>
+                        <p:cond delay="indefinite"/>
+                      </p:stCondLst>
+                      <p:childTnLst>
+                        <p:par>
+                          <p:cTn id="12" fill="hold">
+                            <p:stCondLst>
+                              <p:cond delay="0"/>
+                            </p:stCondLst>
+                            <p:childTnLst>
+                              <p:par>
+                                <p:cTn id="13" presetID="10" presetClass="entr" presetSubtype="0" fill="hold" grpId="0" nodeType="clickEffect">
+                                  <p:stCondLst>
+                                    <p:cond delay="1500"/>
+                                  </p:stCondLst>
+                                  <p:iterate>
+                                    <p:tmPct val="10000"/>
+                                  </p:iterate>
+                                  <p:childTnLst>
+                                    <p:set>
+                                      <p:cBhvr>
+                                        <p:cTn id="14" dur="1" fill="hold">
+                                          <p:stCondLst>
+                                            <p:cond delay="0"/>
+                                          </p:stCondLst>
+                                        </p:cTn>
+                                        <p:tgtEl>
+                                          <p:spTgt spid="3">
+                                            <p:txEl>
+                                              <p:pRg st="1" end="1"/>
+                                            </p:txEl>
+                                          </p:spTgt>
+                                        </p:tgtEl>
+                                        <p:attrNameLst>
+                                          <p:attrName>style.visibility</p:attrName>
+                                        </p:attrNameLst>
+                                      </p:cBhvr>
+                                      <p:to>
+                                        <p:strVal val="visible"/>
+                                      </p:to>
+                                    </p:set>
+                                    <p:animEffect transition="in" filter="fade">
+                                      <p:cBhvr>
+                                        <p:cTn id="15" dur="700"/>
+                                        <p:tgtEl>
+                                          <p:spTgt spid="3">
+                                            <p:txEl>
+                                              <p:pRg st="1" end="1"/>
+                                            </p:txEl>
+                                          </p:spTgt>
+                                        </p:tgtEl>
+                                      </p:cBhvr>
+                                    </p:animEffect>
+                                  </p:childTnLst>
+                                </p:cTn>
+                              </p:par>
+                            </p:childTnLst>
+                          </p:cTn>
+                        </p:par>
+                      </p:childTnLst>
+                    </p:cTn>
+                  </p:par>
                 </p:childTnLst>
               </p:cTn>
               <p:prevCondLst>
@@ -11322,6 +11392,15 @@
               <a:t>https://learn.hashicorp.com</a:t>
             </a:r>
             <a:endParaRPr lang="en-US" dirty="0"/>
+          </a:p>
+          <a:p>
+            <a:endParaRPr lang="en-US" dirty="0"/>
+          </a:p>
+          <a:p>
+            <a:r>
+              <a:rPr lang="en-US" dirty="0"/>
+              <a:t>Code and Slides - https://bit.ly/jaketerraform</a:t>
+            </a:r>
           </a:p>
           <a:p>
             <a:endParaRPr lang="en-US" dirty="0"/>
